--- a/Healthcare Cost Price Prediction.pptx
+++ b/Healthcare Cost Price Prediction.pptx
@@ -4347,7 +4347,7 @@
                 <a:effectLst/>
                 <a:latin typeface="Segoe WPC"/>
               </a:rPr>
-              <a:t>Tesla Stock Price Prediction</a:t>
+              <a:t>HEALTHCARE COST Prediction</a:t>
             </a:r>
             <a:br>
               <a:rPr lang="en-US" b="0" i="0" dirty="0">
@@ -4388,17 +4388,8 @@
           <a:lstStyle/>
           <a:p>
             <a:r>
-              <a:rPr lang="en-US" b="0" i="0" dirty="0">
-                <a:effectLst/>
-                <a:latin typeface="Segoe WPC"/>
-              </a:rPr>
-              <a:t>Forecasting Jan 2024 Closing Prices</a:t>
-            </a:r>
-          </a:p>
-          <a:p>
-            <a:r>
               <a:rPr lang="en-US" dirty="0"/>
-              <a:t>										                          				</a:t>
+              <a:t>Data science project lifecycle										                          				</a:t>
             </a:r>
           </a:p>
           <a:p>
@@ -4461,13 +4452,9 @@
           <a:lstStyle/>
           <a:p>
             <a:r>
-              <a:rPr lang="en-US" b="1" i="0" dirty="0">
-                <a:effectLst/>
-                <a:latin typeface="Segoe WPC"/>
-              </a:rPr>
-              <a:t>Introduction</a:t>
-            </a:r>
-            <a:endParaRPr lang="en-US" dirty="0"/>
+              <a:rPr lang="en-US" dirty="0"/>
+              <a:t>Data Understanding</a:t>
+            </a:r>
           </a:p>
         </p:txBody>
       </p:sp>
@@ -4489,110 +4476,51 @@
         </p:nvSpPr>
         <p:spPr>
           <a:xfrm>
-            <a:off x="1451578" y="2602868"/>
-            <a:ext cx="9603275" cy="3450613"/>
+            <a:off x="1390604" y="1948933"/>
+            <a:ext cx="10086487" cy="3450613"/>
           </a:xfrm>
         </p:spPr>
         <p:txBody>
           <a:bodyPr/>
           <a:lstStyle/>
           <a:p>
-            <a:pPr algn="l">
-              <a:spcBef>
-                <a:spcPts val="150"/>
-              </a:spcBef>
-              <a:spcAft>
-                <a:spcPts val="150"/>
-              </a:spcAft>
-              <a:buFont typeface="Arial" panose="020B0604020202020204" pitchFamily="34" charset="0"/>
-              <a:buChar char="•"/>
-            </a:pPr>
-            <a:r>
-              <a:rPr lang="en-US" b="1" i="0" dirty="0">
-                <a:effectLst/>
-                <a:latin typeface="Segoe WPC"/>
-              </a:rPr>
-              <a:t>Objective:</a:t>
-            </a:r>
-            <a:r>
-              <a:rPr lang="en-US" b="0" i="0" dirty="0">
-                <a:effectLst/>
-                <a:latin typeface="Segoe WPC"/>
-              </a:rPr>
-              <a:t> Predict Tesla stock closing price using Linear Regression.</a:t>
-            </a:r>
-          </a:p>
-          <a:p>
-            <a:pPr algn="l">
-              <a:spcBef>
-                <a:spcPts val="150"/>
-              </a:spcBef>
-              <a:spcAft>
-                <a:spcPts val="150"/>
-              </a:spcAft>
-              <a:buFont typeface="Arial" panose="020B0604020202020204" pitchFamily="34" charset="0"/>
-              <a:buChar char="•"/>
-            </a:pPr>
-            <a:r>
-              <a:rPr lang="en-US" b="1" i="0" dirty="0">
-                <a:effectLst/>
-                <a:latin typeface="Segoe WPC"/>
-              </a:rPr>
-              <a:t>Data:</a:t>
-            </a:r>
-            <a:r>
-              <a:rPr lang="en-US" b="0" i="0" dirty="0">
-                <a:effectLst/>
-                <a:latin typeface="Segoe WPC"/>
-              </a:rPr>
-              <a:t> 2023 daily data (Train/Test), Jan 2024 (Predict).</a:t>
-            </a:r>
-          </a:p>
-          <a:p>
-            <a:pPr algn="l">
-              <a:spcBef>
-                <a:spcPts val="150"/>
-              </a:spcBef>
-              <a:spcAft>
-                <a:spcPts val="150"/>
-              </a:spcAft>
-              <a:buFont typeface="Arial" panose="020B0604020202020204" pitchFamily="34" charset="0"/>
-              <a:buChar char="•"/>
-            </a:pPr>
-            <a:r>
-              <a:rPr lang="en-US" b="1" i="0" dirty="0">
-                <a:effectLst/>
-                <a:latin typeface="Segoe WPC"/>
-              </a:rPr>
-              <a:t>Source:</a:t>
-            </a:r>
-            <a:r>
-              <a:rPr lang="en-US" b="0" i="0" dirty="0">
-                <a:effectLst/>
-                <a:latin typeface="Segoe WPC"/>
-              </a:rPr>
-              <a:t> </a:t>
-            </a:r>
-            <a:r>
-              <a:rPr lang="en-US" b="0" i="0" dirty="0" err="1">
-                <a:effectLst/>
-                <a:latin typeface="Consolas" panose="020B0609020204030204" pitchFamily="49" charset="0"/>
-              </a:rPr>
-              <a:t>yfinance</a:t>
-            </a:r>
-            <a:r>
-              <a:rPr lang="en-US" b="0" i="0" dirty="0">
-                <a:effectLst/>
-                <a:latin typeface="Segoe WPC"/>
-              </a:rPr>
-              <a:t>.</a:t>
-            </a:r>
-          </a:p>
-          <a:p>
-            <a:endParaRPr lang="en-US" dirty="0"/>
-          </a:p>
-        </p:txBody>
-      </p:sp>
+            <a:r>
+              <a:rPr lang="en-US" dirty="0"/>
+              <a:t>Display and Analyze data  - Average, Min/max values (Range), Categorize values by a col (age)</a:t>
+            </a:r>
+          </a:p>
+        </p:txBody>
+      </p:sp>
+      <p:pic>
+        <p:nvPicPr>
+          <p:cNvPr id="13" name="Picture 12">
+            <a:extLst>
+              <a:ext uri="{FF2B5EF4-FFF2-40B4-BE49-F238E27FC236}">
+                <a16:creationId xmlns:a16="http://schemas.microsoft.com/office/drawing/2014/main" id="{665F9E89-25CB-F310-C216-81FDC7F4BC16}"/>
+              </a:ext>
+            </a:extLst>
+          </p:cNvPr>
+          <p:cNvPicPr>
+            <a:picLocks noChangeAspect="1"/>
+          </p:cNvPicPr>
+          <p:nvPr/>
+        </p:nvPicPr>
+        <p:blipFill>
+          <a:blip r:embed="rId2"/>
+          <a:stretch>
+            <a:fillRect/>
+          </a:stretch>
+        </p:blipFill>
+        <p:spPr>
+          <a:xfrm>
+            <a:off x="878371" y="2608105"/>
+            <a:ext cx="10435258" cy="3034305"/>
+          </a:xfrm>
+          <a:prstGeom prst="rect">
+            <a:avLst/>
+          </a:prstGeom>
+        </p:spPr>
+      </p:pic>
     </p:spTree>
     <p:extLst>
       <p:ext uri="{BB962C8B-B14F-4D97-AF65-F5344CB8AC3E}">
@@ -4652,7 +4580,7 @@
           <a:p>
             <a:r>
               <a:rPr lang="en-US" dirty="0"/>
-              <a:t>Data COLLECTION</a:t>
+              <a:t>EDA</a:t>
             </a:r>
           </a:p>
         </p:txBody>
@@ -4675,7 +4603,7 @@
         </p:nvSpPr>
         <p:spPr>
           <a:xfrm>
-            <a:off x="1161925" y="2602868"/>
+            <a:off x="1245053" y="1943391"/>
             <a:ext cx="9603275" cy="3450613"/>
           </a:xfrm>
         </p:spPr>
@@ -4694,29 +4622,18 @@
               </a:spcAft>
             </a:pPr>
             <a:r>
-              <a:rPr lang="en-US" b="1" i="0" dirty="0">
+              <a:rPr lang="en-US" sz="1600" i="0" dirty="0">
                 <a:effectLst/>
                 <a:latin typeface="Segoe WPC"/>
               </a:rPr>
-              <a:t>Source:</a:t>
-            </a:r>
-            <a:r>
-              <a:rPr lang="en-US" b="0" i="0" dirty="0">
-                <a:effectLst/>
+              <a:t>Visualize data</a:t>
+            </a:r>
+            <a:r>
+              <a:rPr lang="en-US" sz="1600" dirty="0">
                 <a:latin typeface="Segoe WPC"/>
               </a:rPr>
-              <a:t> </a:t>
-            </a:r>
-            <a:r>
-              <a:rPr lang="en-US" b="0" i="0" dirty="0" err="1">
-                <a:effectLst/>
-                <a:latin typeface="Consolas" panose="020B0609020204030204" pitchFamily="49" charset="0"/>
-              </a:rPr>
-              <a:t>yfinance</a:t>
-            </a:r>
-            <a:endParaRPr lang="en-US" dirty="0">
-              <a:latin typeface="Segoe WPC"/>
-            </a:endParaRPr>
+              <a:t> based on category, Understand distribution/density of the features</a:t>
+            </a:r>
           </a:p>
           <a:p>
             <a:pPr lvl="1">
@@ -4728,18 +4645,10 @@
               </a:spcAft>
             </a:pPr>
             <a:r>
-              <a:rPr lang="en-US" b="1" i="0" dirty="0">
-                <a:effectLst/>
+              <a:rPr lang="en-US" sz="1600" dirty="0">
                 <a:latin typeface="Segoe WPC"/>
               </a:rPr>
-              <a:t>Ticker:</a:t>
-            </a:r>
-            <a:r>
-              <a:rPr lang="en-US" b="0" i="0" dirty="0">
-                <a:effectLst/>
-                <a:latin typeface="Segoe WPC"/>
-              </a:rPr>
-              <a:t> TSLA</a:t>
+              <a:t>Identify bias in the Dataset</a:t>
             </a:r>
           </a:p>
           <a:p>
@@ -4752,18 +4661,17 @@
               </a:spcAft>
             </a:pPr>
             <a:r>
-              <a:rPr lang="en-US" b="1" i="0" dirty="0">
+              <a:rPr lang="en-US" sz="1600" i="0" dirty="0">
                 <a:effectLst/>
                 <a:latin typeface="Segoe WPC"/>
               </a:rPr>
-              <a:t>Training Period:</a:t>
-            </a:r>
-            <a:r>
-              <a:rPr lang="en-US" b="0" i="0" dirty="0">
-                <a:effectLst/>
+              <a:t>Pair</a:t>
+            </a:r>
+            <a:r>
+              <a:rPr lang="en-US" sz="1600" dirty="0">
                 <a:latin typeface="Segoe WPC"/>
               </a:rPr>
-              <a:t> 2023-01-01 to 2024-01-01</a:t>
+              <a:t>-plot to understand relationship among features(col)</a:t>
             </a:r>
           </a:p>
           <a:p>
@@ -4775,20 +4683,23 @@
                 <a:spcPts val="150"/>
               </a:spcAft>
             </a:pPr>
-            <a:r>
-              <a:rPr lang="en-US" b="1" i="0" dirty="0">
-                <a:effectLst/>
-                <a:latin typeface="Segoe WPC"/>
-              </a:rPr>
-              <a:t>Prediction Period:</a:t>
-            </a:r>
-            <a:r>
-              <a:rPr lang="en-US" b="0" i="0" dirty="0">
-                <a:effectLst/>
-                <a:latin typeface="Segoe WPC"/>
-              </a:rPr>
-              <a:t> 2024-01-01 to 2024-02-01</a:t>
-            </a:r>
+            <a:endParaRPr lang="en-US" dirty="0">
+              <a:latin typeface="Segoe WPC"/>
+            </a:endParaRPr>
+          </a:p>
+          <a:p>
+            <a:pPr lvl="1">
+              <a:spcBef>
+                <a:spcPts val="150"/>
+              </a:spcBef>
+              <a:spcAft>
+                <a:spcPts val="150"/>
+              </a:spcAft>
+            </a:pPr>
+            <a:endParaRPr lang="en-US" i="0" dirty="0">
+              <a:effectLst/>
+              <a:latin typeface="Segoe WPC"/>
+            </a:endParaRPr>
           </a:p>
           <a:p>
             <a:pPr marL="457200" lvl="1" indent="0">
@@ -4829,6 +4740,66 @@
           </a:p>
         </p:txBody>
       </p:sp>
+      <p:pic>
+        <p:nvPicPr>
+          <p:cNvPr id="4" name="Picture 3">
+            <a:extLst>
+              <a:ext uri="{FF2B5EF4-FFF2-40B4-BE49-F238E27FC236}">
+                <a16:creationId xmlns:a16="http://schemas.microsoft.com/office/drawing/2014/main" id="{E8B6D73E-66DD-CA6F-0679-65CF7F33992B}"/>
+              </a:ext>
+            </a:extLst>
+          </p:cNvPr>
+          <p:cNvPicPr>
+            <a:picLocks noChangeAspect="1"/>
+          </p:cNvPicPr>
+          <p:nvPr/>
+        </p:nvPicPr>
+        <p:blipFill>
+          <a:blip r:embed="rId2"/>
+          <a:stretch>
+            <a:fillRect/>
+          </a:stretch>
+        </p:blipFill>
+        <p:spPr>
+          <a:xfrm>
+            <a:off x="1961805" y="3018745"/>
+            <a:ext cx="4218276" cy="3093879"/>
+          </a:xfrm>
+          <a:prstGeom prst="rect">
+            <a:avLst/>
+          </a:prstGeom>
+        </p:spPr>
+      </p:pic>
+      <p:pic>
+        <p:nvPicPr>
+          <p:cNvPr id="6" name="Picture 5">
+            <a:extLst>
+              <a:ext uri="{FF2B5EF4-FFF2-40B4-BE49-F238E27FC236}">
+                <a16:creationId xmlns:a16="http://schemas.microsoft.com/office/drawing/2014/main" id="{5435147D-EE1D-9F82-7A83-B4A9C8E02790}"/>
+              </a:ext>
+            </a:extLst>
+          </p:cNvPr>
+          <p:cNvPicPr>
+            <a:picLocks noChangeAspect="1"/>
+          </p:cNvPicPr>
+          <p:nvPr/>
+        </p:nvPicPr>
+        <p:blipFill>
+          <a:blip r:embed="rId3"/>
+          <a:stretch>
+            <a:fillRect/>
+          </a:stretch>
+        </p:blipFill>
+        <p:spPr>
+          <a:xfrm>
+            <a:off x="7137862" y="2942786"/>
+            <a:ext cx="3445938" cy="3169838"/>
+          </a:xfrm>
+          <a:prstGeom prst="rect">
+            <a:avLst/>
+          </a:prstGeom>
+        </p:spPr>
+      </p:pic>
     </p:spTree>
     <p:extLst>
       <p:ext uri="{BB962C8B-B14F-4D97-AF65-F5344CB8AC3E}">
@@ -4942,80 +4913,10 @@
               </a:spcAft>
             </a:pPr>
             <a:r>
-              <a:rPr lang="en-US" b="0" i="0" dirty="0">
-                <a:effectLst/>
+              <a:rPr lang="en-US" b="1" dirty="0">
                 <a:latin typeface="Consolas" panose="020B0609020204030204" pitchFamily="49" charset="0"/>
               </a:rPr>
-              <a:t>Open</a:t>
-            </a:r>
-            <a:r>
-              <a:rPr lang="en-US" b="0" i="0" dirty="0">
-                <a:effectLst/>
-                <a:latin typeface="Segoe WPC"/>
-              </a:rPr>
-              <a:t>, </a:t>
-            </a:r>
-            <a:r>
-              <a:rPr lang="en-US" b="0" i="0" dirty="0">
-                <a:effectLst/>
-                <a:latin typeface="Consolas" panose="020B0609020204030204" pitchFamily="49" charset="0"/>
-              </a:rPr>
-              <a:t>High</a:t>
-            </a:r>
-            <a:r>
-              <a:rPr lang="en-US" b="0" i="0" dirty="0">
-                <a:effectLst/>
-                <a:latin typeface="Segoe WPC"/>
-              </a:rPr>
-              <a:t>, </a:t>
-            </a:r>
-            <a:r>
-              <a:rPr lang="en-US" b="0" i="0" dirty="0">
-                <a:effectLst/>
-                <a:latin typeface="Consolas" panose="020B0609020204030204" pitchFamily="49" charset="0"/>
-              </a:rPr>
-              <a:t>Low</a:t>
-            </a:r>
-            <a:r>
-              <a:rPr lang="en-US" b="0" i="0" dirty="0">
-                <a:effectLst/>
-                <a:latin typeface="Segoe WPC"/>
-              </a:rPr>
-              <a:t>, </a:t>
-            </a:r>
-            <a:r>
-              <a:rPr lang="en-US" b="0" i="0" dirty="0">
-                <a:effectLst/>
-                <a:latin typeface="Consolas" panose="020B0609020204030204" pitchFamily="49" charset="0"/>
-              </a:rPr>
-              <a:t>Close</a:t>
-            </a:r>
-            <a:r>
-              <a:rPr lang="en-US" b="0" i="0" dirty="0">
-                <a:effectLst/>
-                <a:latin typeface="Segoe WPC"/>
-              </a:rPr>
-              <a:t>, </a:t>
-            </a:r>
-            <a:r>
-              <a:rPr lang="en-US" b="0" i="0" dirty="0">
-                <a:effectLst/>
-                <a:latin typeface="Consolas" panose="020B0609020204030204" pitchFamily="49" charset="0"/>
-              </a:rPr>
-              <a:t>Volume</a:t>
-            </a:r>
-            <a:r>
-              <a:rPr lang="en-US" dirty="0">
-                <a:latin typeface="Segoe WPC"/>
-              </a:rPr>
-              <a:t>-</a:t>
-            </a:r>
-            <a:r>
-              <a:rPr lang="en-US" b="0" i="0" dirty="0">
-                <a:effectLst/>
-                <a:latin typeface="Segoe WPC"/>
-              </a:rPr>
-              <a:t>Standard daily data.</a:t>
+              <a:t>Preprocessing:</a:t>
             </a:r>
           </a:p>
           <a:p>
@@ -5028,19 +4929,15 @@
               </a:spcAft>
             </a:pPr>
             <a:r>
-              <a:rPr lang="en-US" b="0" i="0" dirty="0">
-                <a:effectLst/>
+              <a:rPr lang="en-US" dirty="0">
                 <a:latin typeface="Consolas" panose="020B0609020204030204" pitchFamily="49" charset="0"/>
               </a:rPr>
-              <a:t>Open-Close</a:t>
-            </a:r>
-            <a:r>
-              <a:rPr lang="en-US" b="0" i="0" dirty="0">
-                <a:effectLst/>
-                <a:latin typeface="Segoe WPC"/>
-              </a:rPr>
-              <a:t>: Intraday momentum.</a:t>
-            </a:r>
+              <a:t>One-Hot Encoding (Categorical -&gt; Numerical)</a:t>
+            </a:r>
+            <a:endParaRPr lang="en-US" b="0" i="0" dirty="0">
+              <a:effectLst/>
+              <a:latin typeface="Segoe WPC"/>
+            </a:endParaRPr>
           </a:p>
           <a:p>
             <a:pPr lvl="1">
@@ -5056,18 +4953,11 @@
                 <a:effectLst/>
                 <a:latin typeface="Consolas" panose="020B0609020204030204" pitchFamily="49" charset="0"/>
               </a:rPr>
-              <a:t>High-Low</a:t>
-            </a:r>
-            <a:r>
-              <a:rPr lang="en-US" b="0" i="0" dirty="0">
-                <a:effectLst/>
-                <a:latin typeface="Segoe WPC"/>
-              </a:rPr>
-              <a:t>: Intraday range/volatility.</a:t>
-            </a:r>
-          </a:p>
-          <a:p>
-            <a:pPr lvl="1">
+              <a:t>Standardize/Normalize Numerical data</a:t>
+            </a:r>
+          </a:p>
+          <a:p>
+            <a:pPr lvl="2">
               <a:spcBef>
                 <a:spcPts val="150"/>
               </a:spcBef>
@@ -5076,22 +4966,14 @@
               </a:spcAft>
             </a:pPr>
             <a:r>
-              <a:rPr lang="en-US" b="0" i="0" dirty="0">
-                <a:effectLst/>
+              <a:rPr lang="en-US" dirty="0">
                 <a:latin typeface="Consolas" panose="020B0609020204030204" pitchFamily="49" charset="0"/>
               </a:rPr>
-              <a:t>Volume Change Pct</a:t>
-            </a:r>
-            <a:r>
-              <a:rPr lang="en-US" b="0" i="0" dirty="0">
-                <a:effectLst/>
-                <a:latin typeface="Segoe WPC"/>
-              </a:rPr>
-              <a:t>: Shift in trading activity.</a:t>
-            </a:r>
-          </a:p>
-          <a:p>
-            <a:pPr lvl="1">
+              <a:t>Maintain same range for all features</a:t>
+            </a:r>
+          </a:p>
+          <a:p>
+            <a:pPr lvl="2">
               <a:spcBef>
                 <a:spcPts val="150"/>
               </a:spcBef>
@@ -5100,19 +4982,15 @@
               </a:spcAft>
             </a:pPr>
             <a:r>
-              <a:rPr lang="en-US" b="0" i="0" dirty="0">
-                <a:effectLst/>
+              <a:rPr lang="en-US" dirty="0">
                 <a:latin typeface="Consolas" panose="020B0609020204030204" pitchFamily="49" charset="0"/>
               </a:rPr>
-              <a:t>Sq High-Low</a:t>
-            </a:r>
-            <a:r>
-              <a:rPr lang="en-US" b="0" i="0" dirty="0">
-                <a:effectLst/>
-                <a:latin typeface="Segoe WPC"/>
-              </a:rPr>
-              <a:t>: Non-linear volatility effect.</a:t>
-            </a:r>
+              <a:t>Prevents bias in ML model processing</a:t>
+            </a:r>
+            <a:endParaRPr lang="en-US" b="0" i="0" dirty="0">
+              <a:effectLst/>
+              <a:latin typeface="Segoe WPC"/>
+            </a:endParaRPr>
           </a:p>
           <a:p>
             <a:pPr lvl="1">
@@ -5154,10 +5032,10 @@
       </p:sp>
       <p:pic>
         <p:nvPicPr>
-          <p:cNvPr id="4" name="Picture 3">
+          <p:cNvPr id="5" name="Picture 4">
             <a:extLst>
               <a:ext uri="{FF2B5EF4-FFF2-40B4-BE49-F238E27FC236}">
-                <a16:creationId xmlns:a16="http://schemas.microsoft.com/office/drawing/2014/main" id="{BBCEAB37-88B9-1117-0331-B1A4E7C197DD}"/>
+                <a16:creationId xmlns:a16="http://schemas.microsoft.com/office/drawing/2014/main" id="{BE64FE49-7828-82B0-6A1E-7BE8F046ECA3}"/>
               </a:ext>
             </a:extLst>
           </p:cNvPr>
@@ -5174,8 +5052,8 @@
         </p:blipFill>
         <p:spPr>
           <a:xfrm>
-            <a:off x="1147260" y="2235812"/>
-            <a:ext cx="4948739" cy="2890141"/>
+            <a:off x="570808" y="2438022"/>
+            <a:ext cx="5525192" cy="2839265"/>
           </a:xfrm>
           <a:prstGeom prst="rect">
             <a:avLst/>
@@ -5244,7 +5122,7 @@
                 <a:effectLst/>
                 <a:latin typeface="Segoe WPC"/>
               </a:rPr>
-              <a:t>Model Training and PERFORMANCE</a:t>
+              <a:t>Machine Learning model</a:t>
             </a:r>
             <a:endParaRPr lang="en-US" dirty="0"/>
           </a:p>
@@ -5335,20 +5213,8 @@
                 <a:effectLst/>
                 <a:latin typeface="Segoe WPC"/>
               </a:rPr>
-              <a:t> Chronological (80% Train / 20% Test from 2023 data) </a:t>
-            </a:r>
-          </a:p>
-          <a:p>
-            <a:pPr algn="l">
-              <a:spcBef>
-                <a:spcPts val="150"/>
-              </a:spcBef>
-              <a:spcAft>
-                <a:spcPts val="150"/>
-              </a:spcAft>
-              <a:buFont typeface="Arial" panose="020B0604020202020204" pitchFamily="34" charset="0"/>
-              <a:buChar char="•"/>
-            </a:pPr>
+              <a:t> 80% Train / 20% Test</a:t>
+            </a:r>
             <a:endParaRPr lang="en-US" dirty="0">
               <a:latin typeface="Segoe WPC"/>
             </a:endParaRPr>
@@ -5357,10 +5223,10 @@
       </p:sp>
       <p:pic>
         <p:nvPicPr>
-          <p:cNvPr id="9" name="Picture 8">
+          <p:cNvPr id="4" name="Picture 3">
             <a:extLst>
               <a:ext uri="{FF2B5EF4-FFF2-40B4-BE49-F238E27FC236}">
-                <a16:creationId xmlns:a16="http://schemas.microsoft.com/office/drawing/2014/main" id="{01B67AD6-0BE8-B4FC-343E-932F289F94B5}"/>
+                <a16:creationId xmlns:a16="http://schemas.microsoft.com/office/drawing/2014/main" id="{108AF761-B442-D16C-00FB-5528044894CA}"/>
               </a:ext>
             </a:extLst>
           </p:cNvPr>
@@ -5377,8 +5243,8 @@
         </p:blipFill>
         <p:spPr>
           <a:xfrm>
-            <a:off x="1289246" y="2962069"/>
-            <a:ext cx="10425675" cy="1834413"/>
+            <a:off x="1451579" y="3056610"/>
+            <a:ext cx="4317077" cy="2695265"/>
           </a:xfrm>
           <a:prstGeom prst="rect">
             <a:avLst/>
@@ -5387,10 +5253,10 @@
       </p:pic>
       <p:pic>
         <p:nvPicPr>
-          <p:cNvPr id="11" name="Picture 10">
+          <p:cNvPr id="5" name="Picture 4">
             <a:extLst>
               <a:ext uri="{FF2B5EF4-FFF2-40B4-BE49-F238E27FC236}">
-                <a16:creationId xmlns:a16="http://schemas.microsoft.com/office/drawing/2014/main" id="{A70AE9D1-14A4-16F7-DEC4-A8E4798C84F6}"/>
+                <a16:creationId xmlns:a16="http://schemas.microsoft.com/office/drawing/2014/main" id="{2B3C7FEC-FBA7-04D5-D093-EDB3156C2BAD}"/>
               </a:ext>
             </a:extLst>
           </p:cNvPr>
@@ -5407,8 +5273,8 @@
         </p:blipFill>
         <p:spPr>
           <a:xfrm>
-            <a:off x="1289245" y="4796482"/>
-            <a:ext cx="10425675" cy="840382"/>
+            <a:off x="6096000" y="3056610"/>
+            <a:ext cx="5440351" cy="2695265"/>
           </a:xfrm>
           <a:prstGeom prst="rect">
             <a:avLst/>
@@ -5477,95 +5343,18 @@
                 <a:effectLst/>
                 <a:latin typeface="Segoe WPC"/>
               </a:rPr>
-              <a:t>Model PERFORMANCE</a:t>
+              <a:t>IMPROVED FEATURE ENGINEERING</a:t>
             </a:r>
             <a:endParaRPr lang="en-US" dirty="0"/>
           </a:p>
         </p:txBody>
       </p:sp>
-      <p:sp>
-        <p:nvSpPr>
-          <p:cNvPr id="3" name="Content Placeholder 2">
+      <p:pic>
+        <p:nvPicPr>
+          <p:cNvPr id="18" name="Picture 17">
             <a:extLst>
               <a:ext uri="{FF2B5EF4-FFF2-40B4-BE49-F238E27FC236}">
-                <a16:creationId xmlns:a16="http://schemas.microsoft.com/office/drawing/2014/main" id="{1EF75BBA-8613-C8E1-0A2A-CA2DB870189D}"/>
-              </a:ext>
-            </a:extLst>
-          </p:cNvPr>
-          <p:cNvSpPr>
-            <a:spLocks noGrp="1"/>
-          </p:cNvSpPr>
-          <p:nvPr>
-            <p:ph idx="1"/>
-          </p:nvPr>
-        </p:nvSpPr>
-        <p:spPr>
-          <a:xfrm>
-            <a:off x="1099450" y="1998694"/>
-            <a:ext cx="9603275" cy="3450613"/>
-          </a:xfrm>
-        </p:spPr>
-        <p:txBody>
-          <a:bodyPr>
-            <a:normAutofit/>
-          </a:bodyPr>
-          <a:lstStyle/>
-          <a:p>
-            <a:pPr lvl="1">
-              <a:spcBef>
-                <a:spcPts val="150"/>
-              </a:spcBef>
-              <a:spcAft>
-                <a:spcPts val="150"/>
-              </a:spcAft>
-            </a:pPr>
-            <a:r>
-              <a:rPr lang="en-US" b="1" i="0" dirty="0">
-                <a:effectLst/>
-                <a:latin typeface="Segoe WPC"/>
-              </a:rPr>
-              <a:t>R-Squared (R²): </a:t>
-            </a:r>
-            <a:r>
-              <a:rPr lang="en-US" b="0" i="0" dirty="0">
-                <a:effectLst/>
-                <a:latin typeface="Segoe WPC"/>
-              </a:rPr>
-              <a:t>Explains ~83% of next-day price variance</a:t>
-            </a:r>
-          </a:p>
-          <a:p>
-            <a:pPr lvl="1">
-              <a:spcBef>
-                <a:spcPts val="150"/>
-              </a:spcBef>
-              <a:spcAft>
-                <a:spcPts val="150"/>
-              </a:spcAft>
-            </a:pPr>
-            <a:r>
-              <a:rPr lang="en-US" b="1" i="0" dirty="0">
-                <a:effectLst/>
-                <a:latin typeface="Segoe WPC"/>
-              </a:rPr>
-              <a:t>Mean Squared Error (MSE): 46.23</a:t>
-            </a:r>
-            <a:r>
-              <a:rPr lang="en-US" b="0" i="0" dirty="0">
-                <a:effectLst/>
-                <a:latin typeface="Segoe WPC"/>
-              </a:rPr>
-              <a:t>  (Avg. squared error)</a:t>
-            </a:r>
-          </a:p>
-        </p:txBody>
-      </p:sp>
-      <p:pic>
-        <p:nvPicPr>
-          <p:cNvPr id="6" name="Picture 5">
-            <a:extLst>
-              <a:ext uri="{FF2B5EF4-FFF2-40B4-BE49-F238E27FC236}">
-                <a16:creationId xmlns:a16="http://schemas.microsoft.com/office/drawing/2014/main" id="{FCC52C2B-F722-0647-3E9A-8D2F734CEE0F}"/>
+                <a16:creationId xmlns:a16="http://schemas.microsoft.com/office/drawing/2014/main" id="{D451DDB2-F20B-5135-175F-597CE668CAD7}"/>
               </a:ext>
             </a:extLst>
           </p:cNvPr>
@@ -5582,38 +5371,8 @@
         </p:blipFill>
         <p:spPr>
           <a:xfrm>
-            <a:off x="1150046" y="2900454"/>
-            <a:ext cx="6076822" cy="2623773"/>
-          </a:xfrm>
-          <a:prstGeom prst="rect">
-            <a:avLst/>
-          </a:prstGeom>
-        </p:spPr>
-      </p:pic>
-      <p:pic>
-        <p:nvPicPr>
-          <p:cNvPr id="10" name="Picture 9">
-            <a:extLst>
-              <a:ext uri="{FF2B5EF4-FFF2-40B4-BE49-F238E27FC236}">
-                <a16:creationId xmlns:a16="http://schemas.microsoft.com/office/drawing/2014/main" id="{A5D8BB2E-B047-5C0E-0712-9D8B487EC3F9}"/>
-              </a:ext>
-            </a:extLst>
-          </p:cNvPr>
-          <p:cNvPicPr>
-            <a:picLocks noChangeAspect="1"/>
-          </p:cNvPicPr>
-          <p:nvPr/>
-        </p:nvPicPr>
-        <p:blipFill>
-          <a:blip r:embed="rId4"/>
-          <a:stretch>
-            <a:fillRect/>
-          </a:stretch>
-        </p:blipFill>
-        <p:spPr>
-          <a:xfrm>
-            <a:off x="7679688" y="2900455"/>
-            <a:ext cx="3654939" cy="2693792"/>
+            <a:off x="979829" y="2537742"/>
+            <a:ext cx="10130444" cy="1890050"/>
           </a:xfrm>
           <a:prstGeom prst="rect">
             <a:avLst/>
@@ -5690,17 +5449,19 @@
       </p:sp>
       <p:pic>
         <p:nvPicPr>
-          <p:cNvPr id="7" name="Picture 6">
+          <p:cNvPr id="12" name="Content Placeholder 11">
             <a:extLst>
               <a:ext uri="{FF2B5EF4-FFF2-40B4-BE49-F238E27FC236}">
-                <a16:creationId xmlns:a16="http://schemas.microsoft.com/office/drawing/2014/main" id="{1572841F-4034-450A-B455-3726360C4781}"/>
+                <a16:creationId xmlns:a16="http://schemas.microsoft.com/office/drawing/2014/main" id="{7656C5F1-DE84-1ED0-7EA6-27D990B129BF}"/>
               </a:ext>
             </a:extLst>
           </p:cNvPr>
           <p:cNvPicPr>
-            <a:picLocks noChangeAspect="1"/>
+            <a:picLocks noGrp="1" noChangeAspect="1"/>
           </p:cNvPicPr>
-          <p:nvPr/>
+          <p:nvPr>
+            <p:ph idx="1"/>
+          </p:nvPr>
         </p:nvPicPr>
         <p:blipFill>
           <a:blip r:embed="rId2"/>
@@ -5710,8 +5471,8 @@
         </p:blipFill>
         <p:spPr>
           <a:xfrm>
-            <a:off x="6229004" y="1981096"/>
-            <a:ext cx="4982094" cy="3450612"/>
+            <a:off x="876558" y="2081788"/>
+            <a:ext cx="4881391" cy="3451225"/>
           </a:xfrm>
           <a:prstGeom prst="rect">
             <a:avLst/>
@@ -5720,10 +5481,10 @@
       </p:pic>
       <p:pic>
         <p:nvPicPr>
-          <p:cNvPr id="9" name="Picture 8">
+          <p:cNvPr id="10" name="Picture 9">
             <a:extLst>
               <a:ext uri="{FF2B5EF4-FFF2-40B4-BE49-F238E27FC236}">
-                <a16:creationId xmlns:a16="http://schemas.microsoft.com/office/drawing/2014/main" id="{E9D61C65-D858-A0E1-215D-8A3E3EE1060C}"/>
+                <a16:creationId xmlns:a16="http://schemas.microsoft.com/office/drawing/2014/main" id="{68F09B44-972D-AB50-D5FF-BB5093615528}"/>
               </a:ext>
             </a:extLst>
           </p:cNvPr>
@@ -5740,8 +5501,8 @@
         </p:blipFill>
         <p:spPr>
           <a:xfrm>
-            <a:off x="1385887" y="1981096"/>
-            <a:ext cx="4654695" cy="3485250"/>
+            <a:off x="5985164" y="2188184"/>
+            <a:ext cx="5974255" cy="3238435"/>
           </a:xfrm>
           <a:prstGeom prst="rect">
             <a:avLst/>
@@ -5815,7 +5576,7 @@
                 <a:effectLst/>
                 <a:latin typeface="Segoe WPC"/>
               </a:rPr>
-              <a:t> Insights </a:t>
+              <a:t>BUILD WEB APP - DEPLOY</a:t>
             </a:r>
             <a:endParaRPr lang="en-US" dirty="0"/>
           </a:p>
@@ -5839,7 +5600,7 @@
         </p:nvSpPr>
         <p:spPr>
           <a:xfrm>
-            <a:off x="1377745" y="2407617"/>
+            <a:off x="1250283" y="2014148"/>
             <a:ext cx="9603275" cy="3450613"/>
           </a:xfrm>
         </p:spPr>
@@ -5860,18 +5621,11 @@
               <a:buChar char="•"/>
             </a:pPr>
             <a:r>
-              <a:rPr lang="en-US" b="1" i="0" dirty="0">
-                <a:effectLst/>
-                <a:latin typeface="Segoe WPC"/>
-              </a:rPr>
-              <a:t>Result:</a:t>
-            </a:r>
-            <a:r>
               <a:rPr lang="en-US" b="0" i="0" dirty="0">
                 <a:effectLst/>
                 <a:latin typeface="Segoe WPC"/>
               </a:rPr>
-              <a:t> Linear model showed decent predictive power (R²=0.83) on 2023 data using daily features.</a:t>
+              <a:t>Export the model</a:t>
             </a:r>
           </a:p>
           <a:p>
@@ -5886,18 +5640,22 @@
               <a:buChar char="•"/>
             </a:pPr>
             <a:r>
-              <a:rPr lang="en-US" b="1" i="0" dirty="0">
-                <a:effectLst/>
+              <a:rPr lang="en-US" dirty="0">
                 <a:latin typeface="Segoe WPC"/>
               </a:rPr>
-              <a:t>Limitations:</a:t>
-            </a:r>
-            <a:r>
-              <a:rPr lang="en-US" b="0" i="0" dirty="0">
-                <a:effectLst/>
+              <a:t>Build app using </a:t>
+            </a:r>
+            <a:r>
+              <a:rPr lang="en-US" dirty="0" err="1">
                 <a:latin typeface="Segoe WPC"/>
               </a:rPr>
-              <a:t> Linear assumptions, ignores external factors (news, sentiment).</a:t>
+              <a:t>Streamlit</a:t>
+            </a:r>
+            <a:r>
+              <a:rPr lang="en-US" dirty="0">
+                <a:latin typeface="Segoe WPC"/>
+              </a:rPr>
+              <a:t> </a:t>
             </a:r>
           </a:p>
           <a:p>
@@ -5912,19 +5670,63 @@
               <a:buChar char="•"/>
             </a:pPr>
             <a:r>
-              <a:rPr lang="en-US" b="1" i="0" dirty="0">
-                <a:effectLst/>
+              <a:rPr lang="en-US" dirty="0">
                 <a:latin typeface="Segoe WPC"/>
               </a:rPr>
-              <a:t>Next Steps:</a:t>
-            </a:r>
-            <a:r>
-              <a:rPr lang="en-US" b="0" i="0" dirty="0">
-                <a:effectLst/>
+              <a:t>Deploy in </a:t>
+            </a:r>
+            <a:r>
+              <a:rPr lang="en-US" dirty="0" err="1">
                 <a:latin typeface="Segoe WPC"/>
               </a:rPr>
-              <a:t> Non-linear models (Random Forest, LSTMs), more features (technical indicators), external data integration.</a:t>
-            </a:r>
+              <a:t>Streamlit</a:t>
+            </a:r>
+            <a:r>
+              <a:rPr lang="en-US" dirty="0">
+                <a:latin typeface="Segoe WPC"/>
+              </a:rPr>
+              <a:t> Cloud - </a:t>
+            </a:r>
+            <a:r>
+              <a:rPr lang="en-US" dirty="0">
+                <a:latin typeface="Segoe WPC"/>
+                <a:hlinkClick r:id="rId2"/>
+              </a:rPr>
+              <a:t>https://heathcare-cost-prediction.streamlit.app/</a:t>
+            </a:r>
+            <a:endParaRPr lang="en-US" dirty="0">
+              <a:latin typeface="Segoe WPC"/>
+            </a:endParaRPr>
+          </a:p>
+          <a:p>
+            <a:pPr marL="0" indent="0" algn="l">
+              <a:spcBef>
+                <a:spcPts val="150"/>
+              </a:spcBef>
+              <a:spcAft>
+                <a:spcPts val="150"/>
+              </a:spcAft>
+              <a:buNone/>
+            </a:pPr>
+            <a:endParaRPr lang="en-US" dirty="0">
+              <a:latin typeface="Segoe WPC"/>
+            </a:endParaRPr>
+          </a:p>
+          <a:p>
+            <a:pPr algn="l">
+              <a:spcBef>
+                <a:spcPts val="150"/>
+              </a:spcBef>
+              <a:spcAft>
+                <a:spcPts val="150"/>
+              </a:spcAft>
+              <a:buFont typeface="Arial" panose="020B0604020202020204" pitchFamily="34" charset="0"/>
+              <a:buChar char="•"/>
+            </a:pPr>
+            <a:endParaRPr lang="en-US" b="0" i="0" dirty="0">
+              <a:effectLst/>
+              <a:latin typeface="Segoe WPC"/>
+            </a:endParaRPr>
           </a:p>
         </p:txBody>
       </p:sp>
